--- a/악령퇴치 자료들.pptx
+++ b/악령퇴치 자료들.pptx
@@ -292,7 +292,8 @@
           <a:p>
             <a:fld id="{965AF83B-FF9D-4EB3-82A2-7E8CD0EDB67F}" type="datetimeFigureOut">
               <a:rPr lang="ko-KR" altLang="en-US" smtClean="0"/>
-              <a:t>2017-11-18</a:t>
+              <a:pPr/>
+              <a:t>2017-11-25</a:t>
             </a:fld>
             <a:endParaRPr lang="ko-KR" altLang="en-US"/>
           </a:p>
@@ -334,6 +335,7 @@
           <a:p>
             <a:fld id="{0B742EE6-069B-41F3-BE13-63128DF08029}" type="slidenum">
               <a:rPr lang="ko-KR" altLang="en-US" smtClean="0"/>
+              <a:pPr/>
               <a:t>‹#›</a:t>
             </a:fld>
             <a:endParaRPr lang="ko-KR" altLang="en-US"/>
@@ -343,7 +345,7 @@
     </p:spTree>
     <p:extLst>
       <p:ext uri="{BB962C8B-B14F-4D97-AF65-F5344CB8AC3E}">
-        <p14:creationId xmlns:p14="http://schemas.microsoft.com/office/powerpoint/2010/main" val="143692908"/>
+        <p14:creationId xmlns:p14="http://schemas.microsoft.com/office/powerpoint/2010/main" xmlns="" val="143692908"/>
       </p:ext>
     </p:extLst>
   </p:cSld>
@@ -462,7 +464,8 @@
           <a:p>
             <a:fld id="{965AF83B-FF9D-4EB3-82A2-7E8CD0EDB67F}" type="datetimeFigureOut">
               <a:rPr lang="ko-KR" altLang="en-US" smtClean="0"/>
-              <a:t>2017-11-18</a:t>
+              <a:pPr/>
+              <a:t>2017-11-25</a:t>
             </a:fld>
             <a:endParaRPr lang="ko-KR" altLang="en-US"/>
           </a:p>
@@ -504,6 +507,7 @@
           <a:p>
             <a:fld id="{0B742EE6-069B-41F3-BE13-63128DF08029}" type="slidenum">
               <a:rPr lang="ko-KR" altLang="en-US" smtClean="0"/>
+              <a:pPr/>
               <a:t>‹#›</a:t>
             </a:fld>
             <a:endParaRPr lang="ko-KR" altLang="en-US"/>
@@ -513,7 +517,7 @@
     </p:spTree>
     <p:extLst>
       <p:ext uri="{BB962C8B-B14F-4D97-AF65-F5344CB8AC3E}">
-        <p14:creationId xmlns:p14="http://schemas.microsoft.com/office/powerpoint/2010/main" val="2062278351"/>
+        <p14:creationId xmlns:p14="http://schemas.microsoft.com/office/powerpoint/2010/main" xmlns="" val="2062278351"/>
       </p:ext>
     </p:extLst>
   </p:cSld>
@@ -642,7 +646,8 @@
           <a:p>
             <a:fld id="{965AF83B-FF9D-4EB3-82A2-7E8CD0EDB67F}" type="datetimeFigureOut">
               <a:rPr lang="ko-KR" altLang="en-US" smtClean="0"/>
-              <a:t>2017-11-18</a:t>
+              <a:pPr/>
+              <a:t>2017-11-25</a:t>
             </a:fld>
             <a:endParaRPr lang="ko-KR" altLang="en-US"/>
           </a:p>
@@ -684,6 +689,7 @@
           <a:p>
             <a:fld id="{0B742EE6-069B-41F3-BE13-63128DF08029}" type="slidenum">
               <a:rPr lang="ko-KR" altLang="en-US" smtClean="0"/>
+              <a:pPr/>
               <a:t>‹#›</a:t>
             </a:fld>
             <a:endParaRPr lang="ko-KR" altLang="en-US"/>
@@ -693,7 +699,7 @@
     </p:spTree>
     <p:extLst>
       <p:ext uri="{BB962C8B-B14F-4D97-AF65-F5344CB8AC3E}">
-        <p14:creationId xmlns:p14="http://schemas.microsoft.com/office/powerpoint/2010/main" val="117741253"/>
+        <p14:creationId xmlns:p14="http://schemas.microsoft.com/office/powerpoint/2010/main" xmlns="" val="117741253"/>
       </p:ext>
     </p:extLst>
   </p:cSld>
@@ -812,7 +818,8 @@
           <a:p>
             <a:fld id="{965AF83B-FF9D-4EB3-82A2-7E8CD0EDB67F}" type="datetimeFigureOut">
               <a:rPr lang="ko-KR" altLang="en-US" smtClean="0"/>
-              <a:t>2017-11-18</a:t>
+              <a:pPr/>
+              <a:t>2017-11-25</a:t>
             </a:fld>
             <a:endParaRPr lang="ko-KR" altLang="en-US"/>
           </a:p>
@@ -854,6 +861,7 @@
           <a:p>
             <a:fld id="{0B742EE6-069B-41F3-BE13-63128DF08029}" type="slidenum">
               <a:rPr lang="ko-KR" altLang="en-US" smtClean="0"/>
+              <a:pPr/>
               <a:t>‹#›</a:t>
             </a:fld>
             <a:endParaRPr lang="ko-KR" altLang="en-US"/>
@@ -863,7 +871,7 @@
     </p:spTree>
     <p:extLst>
       <p:ext uri="{BB962C8B-B14F-4D97-AF65-F5344CB8AC3E}">
-        <p14:creationId xmlns:p14="http://schemas.microsoft.com/office/powerpoint/2010/main" val="1382007526"/>
+        <p14:creationId xmlns:p14="http://schemas.microsoft.com/office/powerpoint/2010/main" xmlns="" val="1382007526"/>
       </p:ext>
     </p:extLst>
   </p:cSld>
@@ -1058,7 +1066,8 @@
           <a:p>
             <a:fld id="{965AF83B-FF9D-4EB3-82A2-7E8CD0EDB67F}" type="datetimeFigureOut">
               <a:rPr lang="ko-KR" altLang="en-US" smtClean="0"/>
-              <a:t>2017-11-18</a:t>
+              <a:pPr/>
+              <a:t>2017-11-25</a:t>
             </a:fld>
             <a:endParaRPr lang="ko-KR" altLang="en-US"/>
           </a:p>
@@ -1100,6 +1109,7 @@
           <a:p>
             <a:fld id="{0B742EE6-069B-41F3-BE13-63128DF08029}" type="slidenum">
               <a:rPr lang="ko-KR" altLang="en-US" smtClean="0"/>
+              <a:pPr/>
               <a:t>‹#›</a:t>
             </a:fld>
             <a:endParaRPr lang="ko-KR" altLang="en-US"/>
@@ -1109,7 +1119,7 @@
     </p:spTree>
     <p:extLst>
       <p:ext uri="{BB962C8B-B14F-4D97-AF65-F5344CB8AC3E}">
-        <p14:creationId xmlns:p14="http://schemas.microsoft.com/office/powerpoint/2010/main" val="3255727417"/>
+        <p14:creationId xmlns:p14="http://schemas.microsoft.com/office/powerpoint/2010/main" xmlns="" val="3255727417"/>
       </p:ext>
     </p:extLst>
   </p:cSld>
@@ -1346,7 +1356,8 @@
           <a:p>
             <a:fld id="{965AF83B-FF9D-4EB3-82A2-7E8CD0EDB67F}" type="datetimeFigureOut">
               <a:rPr lang="ko-KR" altLang="en-US" smtClean="0"/>
-              <a:t>2017-11-18</a:t>
+              <a:pPr/>
+              <a:t>2017-11-25</a:t>
             </a:fld>
             <a:endParaRPr lang="ko-KR" altLang="en-US"/>
           </a:p>
@@ -1388,6 +1399,7 @@
           <a:p>
             <a:fld id="{0B742EE6-069B-41F3-BE13-63128DF08029}" type="slidenum">
               <a:rPr lang="ko-KR" altLang="en-US" smtClean="0"/>
+              <a:pPr/>
               <a:t>‹#›</a:t>
             </a:fld>
             <a:endParaRPr lang="ko-KR" altLang="en-US"/>
@@ -1397,7 +1409,7 @@
     </p:spTree>
     <p:extLst>
       <p:ext uri="{BB962C8B-B14F-4D97-AF65-F5344CB8AC3E}">
-        <p14:creationId xmlns:p14="http://schemas.microsoft.com/office/powerpoint/2010/main" val="554218119"/>
+        <p14:creationId xmlns:p14="http://schemas.microsoft.com/office/powerpoint/2010/main" xmlns="" val="554218119"/>
       </p:ext>
     </p:extLst>
   </p:cSld>
@@ -1768,7 +1780,8 @@
           <a:p>
             <a:fld id="{965AF83B-FF9D-4EB3-82A2-7E8CD0EDB67F}" type="datetimeFigureOut">
               <a:rPr lang="ko-KR" altLang="en-US" smtClean="0"/>
-              <a:t>2017-11-18</a:t>
+              <a:pPr/>
+              <a:t>2017-11-25</a:t>
             </a:fld>
             <a:endParaRPr lang="ko-KR" altLang="en-US"/>
           </a:p>
@@ -1810,6 +1823,7 @@
           <a:p>
             <a:fld id="{0B742EE6-069B-41F3-BE13-63128DF08029}" type="slidenum">
               <a:rPr lang="ko-KR" altLang="en-US" smtClean="0"/>
+              <a:pPr/>
               <a:t>‹#›</a:t>
             </a:fld>
             <a:endParaRPr lang="ko-KR" altLang="en-US"/>
@@ -1819,7 +1833,7 @@
     </p:spTree>
     <p:extLst>
       <p:ext uri="{BB962C8B-B14F-4D97-AF65-F5344CB8AC3E}">
-        <p14:creationId xmlns:p14="http://schemas.microsoft.com/office/powerpoint/2010/main" val="2633550287"/>
+        <p14:creationId xmlns:p14="http://schemas.microsoft.com/office/powerpoint/2010/main" xmlns="" val="2633550287"/>
       </p:ext>
     </p:extLst>
   </p:cSld>
@@ -1886,7 +1900,8 @@
           <a:p>
             <a:fld id="{965AF83B-FF9D-4EB3-82A2-7E8CD0EDB67F}" type="datetimeFigureOut">
               <a:rPr lang="ko-KR" altLang="en-US" smtClean="0"/>
-              <a:t>2017-11-18</a:t>
+              <a:pPr/>
+              <a:t>2017-11-25</a:t>
             </a:fld>
             <a:endParaRPr lang="ko-KR" altLang="en-US"/>
           </a:p>
@@ -1928,6 +1943,7 @@
           <a:p>
             <a:fld id="{0B742EE6-069B-41F3-BE13-63128DF08029}" type="slidenum">
               <a:rPr lang="ko-KR" altLang="en-US" smtClean="0"/>
+              <a:pPr/>
               <a:t>‹#›</a:t>
             </a:fld>
             <a:endParaRPr lang="ko-KR" altLang="en-US"/>
@@ -1937,7 +1953,7 @@
     </p:spTree>
     <p:extLst>
       <p:ext uri="{BB962C8B-B14F-4D97-AF65-F5344CB8AC3E}">
-        <p14:creationId xmlns:p14="http://schemas.microsoft.com/office/powerpoint/2010/main" val="885355226"/>
+        <p14:creationId xmlns:p14="http://schemas.microsoft.com/office/powerpoint/2010/main" xmlns="" val="885355226"/>
       </p:ext>
     </p:extLst>
   </p:cSld>
@@ -1981,7 +1997,8 @@
           <a:p>
             <a:fld id="{965AF83B-FF9D-4EB3-82A2-7E8CD0EDB67F}" type="datetimeFigureOut">
               <a:rPr lang="ko-KR" altLang="en-US" smtClean="0"/>
-              <a:t>2017-11-18</a:t>
+              <a:pPr/>
+              <a:t>2017-11-25</a:t>
             </a:fld>
             <a:endParaRPr lang="ko-KR" altLang="en-US"/>
           </a:p>
@@ -2023,6 +2040,7 @@
           <a:p>
             <a:fld id="{0B742EE6-069B-41F3-BE13-63128DF08029}" type="slidenum">
               <a:rPr lang="ko-KR" altLang="en-US" smtClean="0"/>
+              <a:pPr/>
               <a:t>‹#›</a:t>
             </a:fld>
             <a:endParaRPr lang="ko-KR" altLang="en-US"/>
@@ -2032,7 +2050,7 @@
     </p:spTree>
     <p:extLst>
       <p:ext uri="{BB962C8B-B14F-4D97-AF65-F5344CB8AC3E}">
-        <p14:creationId xmlns:p14="http://schemas.microsoft.com/office/powerpoint/2010/main" val="676900719"/>
+        <p14:creationId xmlns:p14="http://schemas.microsoft.com/office/powerpoint/2010/main" xmlns="" val="676900719"/>
       </p:ext>
     </p:extLst>
   </p:cSld>
@@ -2258,7 +2276,8 @@
           <a:p>
             <a:fld id="{965AF83B-FF9D-4EB3-82A2-7E8CD0EDB67F}" type="datetimeFigureOut">
               <a:rPr lang="ko-KR" altLang="en-US" smtClean="0"/>
-              <a:t>2017-11-18</a:t>
+              <a:pPr/>
+              <a:t>2017-11-25</a:t>
             </a:fld>
             <a:endParaRPr lang="ko-KR" altLang="en-US"/>
           </a:p>
@@ -2300,6 +2319,7 @@
           <a:p>
             <a:fld id="{0B742EE6-069B-41F3-BE13-63128DF08029}" type="slidenum">
               <a:rPr lang="ko-KR" altLang="en-US" smtClean="0"/>
+              <a:pPr/>
               <a:t>‹#›</a:t>
             </a:fld>
             <a:endParaRPr lang="ko-KR" altLang="en-US"/>
@@ -2309,7 +2329,7 @@
     </p:spTree>
     <p:extLst>
       <p:ext uri="{BB962C8B-B14F-4D97-AF65-F5344CB8AC3E}">
-        <p14:creationId xmlns:p14="http://schemas.microsoft.com/office/powerpoint/2010/main" val="2822253027"/>
+        <p14:creationId xmlns:p14="http://schemas.microsoft.com/office/powerpoint/2010/main" xmlns="" val="2822253027"/>
       </p:ext>
     </p:extLst>
   </p:cSld>
@@ -2511,7 +2531,8 @@
           <a:p>
             <a:fld id="{965AF83B-FF9D-4EB3-82A2-7E8CD0EDB67F}" type="datetimeFigureOut">
               <a:rPr lang="ko-KR" altLang="en-US" smtClean="0"/>
-              <a:t>2017-11-18</a:t>
+              <a:pPr/>
+              <a:t>2017-11-25</a:t>
             </a:fld>
             <a:endParaRPr lang="ko-KR" altLang="en-US"/>
           </a:p>
@@ -2553,6 +2574,7 @@
           <a:p>
             <a:fld id="{0B742EE6-069B-41F3-BE13-63128DF08029}" type="slidenum">
               <a:rPr lang="ko-KR" altLang="en-US" smtClean="0"/>
+              <a:pPr/>
               <a:t>‹#›</a:t>
             </a:fld>
             <a:endParaRPr lang="ko-KR" altLang="en-US"/>
@@ -2562,7 +2584,7 @@
     </p:spTree>
     <p:extLst>
       <p:ext uri="{BB962C8B-B14F-4D97-AF65-F5344CB8AC3E}">
-        <p14:creationId xmlns:p14="http://schemas.microsoft.com/office/powerpoint/2010/main" val="3017632292"/>
+        <p14:creationId xmlns:p14="http://schemas.microsoft.com/office/powerpoint/2010/main" xmlns="" val="3017632292"/>
       </p:ext>
     </p:extLst>
   </p:cSld>
@@ -2724,7 +2746,8 @@
           <a:p>
             <a:fld id="{965AF83B-FF9D-4EB3-82A2-7E8CD0EDB67F}" type="datetimeFigureOut">
               <a:rPr lang="ko-KR" altLang="en-US" smtClean="0"/>
-              <a:t>2017-11-18</a:t>
+              <a:pPr/>
+              <a:t>2017-11-25</a:t>
             </a:fld>
             <a:endParaRPr lang="ko-KR" altLang="en-US"/>
           </a:p>
@@ -2802,6 +2825,7 @@
           <a:p>
             <a:fld id="{0B742EE6-069B-41F3-BE13-63128DF08029}" type="slidenum">
               <a:rPr lang="ko-KR" altLang="en-US" smtClean="0"/>
+              <a:pPr/>
               <a:t>‹#›</a:t>
             </a:fld>
             <a:endParaRPr lang="ko-KR" altLang="en-US"/>
@@ -2811,7 +2835,7 @@
     </p:spTree>
     <p:extLst>
       <p:ext uri="{BB962C8B-B14F-4D97-AF65-F5344CB8AC3E}">
-        <p14:creationId xmlns:p14="http://schemas.microsoft.com/office/powerpoint/2010/main" val="4185356121"/>
+        <p14:creationId xmlns:p14="http://schemas.microsoft.com/office/powerpoint/2010/main" xmlns="" val="4185356121"/>
       </p:ext>
     </p:extLst>
   </p:cSld>
@@ -3108,10 +3132,10 @@
           <p:nvPr/>
         </p:nvPicPr>
         <p:blipFill>
-          <a:blip r:embed="rId2">
+          <a:blip r:embed="rId2" cstate="print">
             <a:extLst>
               <a:ext uri="{28A0092B-C50C-407E-A947-70E740481C1C}">
-                <a14:useLocalDpi xmlns:a14="http://schemas.microsoft.com/office/drawing/2010/main" val="0"/>
+                <a14:useLocalDpi xmlns:a14="http://schemas.microsoft.com/office/drawing/2010/main" xmlns="" val="0"/>
               </a:ext>
             </a:extLst>
           </a:blip>
@@ -3131,7 +3155,7 @@
           <a:noFill/>
           <a:extLst>
             <a:ext uri="{909E8E84-426E-40DD-AFC4-6F175D3DCCD1}">
-              <a14:hiddenFill xmlns:a14="http://schemas.microsoft.com/office/drawing/2010/main">
+              <a14:hiddenFill xmlns:a14="http://schemas.microsoft.com/office/drawing/2010/main" xmlns="">
                 <a:solidFill>
                   <a:srgbClr val="FFFFFF"/>
                 </a:solidFill>
@@ -3143,7 +3167,7 @@
     </p:spTree>
     <p:extLst>
       <p:ext uri="{BB962C8B-B14F-4D97-AF65-F5344CB8AC3E}">
-        <p14:creationId xmlns:p14="http://schemas.microsoft.com/office/powerpoint/2010/main" val="2240100491"/>
+        <p14:creationId xmlns:p14="http://schemas.microsoft.com/office/powerpoint/2010/main" xmlns="" val="2240100491"/>
       </p:ext>
     </p:extLst>
   </p:cSld>
@@ -3186,10 +3210,10 @@
           <p:nvPr/>
         </p:nvPicPr>
         <p:blipFill>
-          <a:blip r:embed="rId2">
+          <a:blip r:embed="rId2" cstate="print">
             <a:extLst>
               <a:ext uri="{28A0092B-C50C-407E-A947-70E740481C1C}">
-                <a14:useLocalDpi xmlns:a14="http://schemas.microsoft.com/office/drawing/2010/main" val="0"/>
+                <a14:useLocalDpi xmlns:a14="http://schemas.microsoft.com/office/drawing/2010/main" xmlns="" val="0"/>
               </a:ext>
             </a:extLst>
           </a:blip>
@@ -3216,10 +3240,10 @@
           <p:nvPr/>
         </p:nvPicPr>
         <p:blipFill>
-          <a:blip r:embed="rId2">
+          <a:blip r:embed="rId2" cstate="print">
             <a:extLst>
               <a:ext uri="{28A0092B-C50C-407E-A947-70E740481C1C}">
-                <a14:useLocalDpi xmlns:a14="http://schemas.microsoft.com/office/drawing/2010/main" val="0"/>
+                <a14:useLocalDpi xmlns:a14="http://schemas.microsoft.com/office/drawing/2010/main" xmlns="" val="0"/>
               </a:ext>
             </a:extLst>
           </a:blip>
@@ -3246,10 +3270,10 @@
           <p:nvPr/>
         </p:nvPicPr>
         <p:blipFill>
-          <a:blip r:embed="rId3">
+          <a:blip r:embed="rId3" cstate="print">
             <a:extLst>
               <a:ext uri="{28A0092B-C50C-407E-A947-70E740481C1C}">
-                <a14:useLocalDpi xmlns:a14="http://schemas.microsoft.com/office/drawing/2010/main" val="0"/>
+                <a14:useLocalDpi xmlns:a14="http://schemas.microsoft.com/office/drawing/2010/main" xmlns="" val="0"/>
               </a:ext>
             </a:extLst>
           </a:blip>
@@ -3276,10 +3300,10 @@
           <p:nvPr/>
         </p:nvPicPr>
         <p:blipFill>
-          <a:blip r:embed="rId3">
+          <a:blip r:embed="rId3" cstate="print">
             <a:extLst>
               <a:ext uri="{28A0092B-C50C-407E-A947-70E740481C1C}">
-                <a14:useLocalDpi xmlns:a14="http://schemas.microsoft.com/office/drawing/2010/main" val="0"/>
+                <a14:useLocalDpi xmlns:a14="http://schemas.microsoft.com/office/drawing/2010/main" xmlns="" val="0"/>
               </a:ext>
             </a:extLst>
           </a:blip>
@@ -3309,7 +3333,7 @@
           <a:blip r:embed="rId4" cstate="print">
             <a:extLst>
               <a:ext uri="{28A0092B-C50C-407E-A947-70E740481C1C}">
-                <a14:useLocalDpi xmlns:a14="http://schemas.microsoft.com/office/drawing/2010/main" val="0"/>
+                <a14:useLocalDpi xmlns:a14="http://schemas.microsoft.com/office/drawing/2010/main" xmlns="" val="0"/>
               </a:ext>
             </a:extLst>
           </a:blip>
@@ -3339,7 +3363,7 @@
           <a:blip r:embed="rId5" cstate="print">
             <a:extLst>
               <a:ext uri="{28A0092B-C50C-407E-A947-70E740481C1C}">
-                <a14:useLocalDpi xmlns:a14="http://schemas.microsoft.com/office/drawing/2010/main" val="0"/>
+                <a14:useLocalDpi xmlns:a14="http://schemas.microsoft.com/office/drawing/2010/main" xmlns="" val="0"/>
               </a:ext>
             </a:extLst>
           </a:blip>
@@ -3360,7 +3384,7 @@
     </p:spTree>
     <p:extLst>
       <p:ext uri="{BB962C8B-B14F-4D97-AF65-F5344CB8AC3E}">
-        <p14:creationId xmlns:p14="http://schemas.microsoft.com/office/powerpoint/2010/main" val="1544357137"/>
+        <p14:creationId xmlns:p14="http://schemas.microsoft.com/office/powerpoint/2010/main" xmlns="" val="1544357137"/>
       </p:ext>
     </p:extLst>
   </p:cSld>
@@ -3396,10 +3420,10 @@
           <p:nvPr/>
         </p:nvPicPr>
         <p:blipFill>
-          <a:blip r:embed="rId2">
+          <a:blip r:embed="rId2" cstate="print">
             <a:extLst>
               <a:ext uri="{28A0092B-C50C-407E-A947-70E740481C1C}">
-                <a14:useLocalDpi xmlns:a14="http://schemas.microsoft.com/office/drawing/2010/main" val="0"/>
+                <a14:useLocalDpi xmlns:a14="http://schemas.microsoft.com/office/drawing/2010/main" xmlns="" val="0"/>
               </a:ext>
             </a:extLst>
           </a:blip>
@@ -3419,7 +3443,7 @@
           <a:noFill/>
           <a:extLst>
             <a:ext uri="{909E8E84-426E-40DD-AFC4-6F175D3DCCD1}">
-              <a14:hiddenFill xmlns:a14="http://schemas.microsoft.com/office/drawing/2010/main">
+              <a14:hiddenFill xmlns:a14="http://schemas.microsoft.com/office/drawing/2010/main" xmlns="">
                 <a:solidFill>
                   <a:srgbClr val="FFFFFF"/>
                 </a:solidFill>
@@ -3437,10 +3461,10 @@
           <p:nvPr/>
         </p:nvPicPr>
         <p:blipFill>
-          <a:blip r:embed="rId3">
+          <a:blip r:embed="rId3" cstate="print">
             <a:extLst>
               <a:ext uri="{28A0092B-C50C-407E-A947-70E740481C1C}">
-                <a14:useLocalDpi xmlns:a14="http://schemas.microsoft.com/office/drawing/2010/main" val="0"/>
+                <a14:useLocalDpi xmlns:a14="http://schemas.microsoft.com/office/drawing/2010/main" xmlns="" val="0"/>
               </a:ext>
             </a:extLst>
           </a:blip>
@@ -3460,7 +3484,7 @@
           <a:noFill/>
           <a:extLst>
             <a:ext uri="{909E8E84-426E-40DD-AFC4-6F175D3DCCD1}">
-              <a14:hiddenFill xmlns:a14="http://schemas.microsoft.com/office/drawing/2010/main">
+              <a14:hiddenFill xmlns:a14="http://schemas.microsoft.com/office/drawing/2010/main" xmlns="">
                 <a:solidFill>
                   <a:srgbClr val="FFFFFF"/>
                 </a:solidFill>
@@ -3478,10 +3502,10 @@
           <p:nvPr/>
         </p:nvPicPr>
         <p:blipFill>
-          <a:blip r:embed="rId2">
+          <a:blip r:embed="rId2" cstate="print">
             <a:extLst>
               <a:ext uri="{28A0092B-C50C-407E-A947-70E740481C1C}">
-                <a14:useLocalDpi xmlns:a14="http://schemas.microsoft.com/office/drawing/2010/main" val="0"/>
+                <a14:useLocalDpi xmlns:a14="http://schemas.microsoft.com/office/drawing/2010/main" xmlns="" val="0"/>
               </a:ext>
             </a:extLst>
           </a:blip>
@@ -3501,7 +3525,7 @@
           <a:noFill/>
           <a:extLst>
             <a:ext uri="{909E8E84-426E-40DD-AFC4-6F175D3DCCD1}">
-              <a14:hiddenFill xmlns:a14="http://schemas.microsoft.com/office/drawing/2010/main">
+              <a14:hiddenFill xmlns:a14="http://schemas.microsoft.com/office/drawing/2010/main" xmlns="">
                 <a:solidFill>
                   <a:srgbClr val="FFFFFF"/>
                 </a:solidFill>
@@ -3552,10 +3576,10 @@
           <p:nvPr/>
         </p:nvPicPr>
         <p:blipFill>
-          <a:blip r:embed="rId3">
+          <a:blip r:embed="rId3" cstate="print">
             <a:extLst>
               <a:ext uri="{28A0092B-C50C-407E-A947-70E740481C1C}">
-                <a14:useLocalDpi xmlns:a14="http://schemas.microsoft.com/office/drawing/2010/main" val="0"/>
+                <a14:useLocalDpi xmlns:a14="http://schemas.microsoft.com/office/drawing/2010/main" xmlns="" val="0"/>
               </a:ext>
             </a:extLst>
           </a:blip>
@@ -3575,7 +3599,7 @@
           <a:noFill/>
           <a:extLst>
             <a:ext uri="{909E8E84-426E-40DD-AFC4-6F175D3DCCD1}">
-              <a14:hiddenFill xmlns:a14="http://schemas.microsoft.com/office/drawing/2010/main">
+              <a14:hiddenFill xmlns:a14="http://schemas.microsoft.com/office/drawing/2010/main" xmlns="">
                 <a:solidFill>
                   <a:srgbClr val="FFFFFF"/>
                 </a:solidFill>
@@ -3979,7 +4003,7 @@
     </p:spTree>
     <p:extLst>
       <p:ext uri="{BB962C8B-B14F-4D97-AF65-F5344CB8AC3E}">
-        <p14:creationId xmlns:p14="http://schemas.microsoft.com/office/powerpoint/2010/main" val="1777944590"/>
+        <p14:creationId xmlns:p14="http://schemas.microsoft.com/office/powerpoint/2010/main" xmlns="" val="1777944590"/>
       </p:ext>
     </p:extLst>
   </p:cSld>
@@ -11618,7 +11642,7 @@
     </p:spTree>
     <p:extLst>
       <p:ext uri="{BB962C8B-B14F-4D97-AF65-F5344CB8AC3E}">
-        <p14:creationId xmlns:p14="http://schemas.microsoft.com/office/powerpoint/2010/main" val="1880614244"/>
+        <p14:creationId xmlns:p14="http://schemas.microsoft.com/office/powerpoint/2010/main" xmlns="" val="1880614244"/>
       </p:ext>
     </p:extLst>
   </p:cSld>
@@ -12209,7 +12233,7 @@
         </p:nvSpPr>
         <p:spPr>
           <a:xfrm>
-            <a:off x="1403648" y="1019034"/>
+            <a:off x="1115616" y="123478"/>
             <a:ext cx="6023919" cy="2452816"/>
           </a:xfrm>
           <a:custGeom>
@@ -12320,7 +12344,121 @@
                   </a:outerShdw>
                 </a:effectLst>
               </a:rPr>
-              <a:t>게임 방법</a:t>
+              <a:t>까만 파리는 파리채로</a:t>
+            </a:r>
+            <a:r>
+              <a:rPr lang="en-US" altLang="ko-KR" sz="2400" b="1" dirty="0" smtClean="0">
+                <a:effectLst>
+                  <a:outerShdw blurRad="203200" sx="102000" sy="102000" algn="ctr" rotWithShape="0">
+                    <a:prstClr val="black">
+                      <a:alpha val="80000"/>
+                    </a:prstClr>
+                  </a:outerShdw>
+                </a:effectLst>
+              </a:rPr>
+              <a:t>(A/</a:t>
+            </a:r>
+            <a:r>
+              <a:rPr lang="ko-KR" altLang="en-US" sz="2400" b="1" dirty="0" smtClean="0">
+                <a:effectLst>
+                  <a:outerShdw blurRad="203200" sx="102000" sy="102000" algn="ctr" rotWithShape="0">
+                    <a:prstClr val="black">
+                      <a:alpha val="80000"/>
+                    </a:prstClr>
+                  </a:outerShdw>
+                </a:effectLst>
+              </a:rPr>
+              <a:t>→</a:t>
+            </a:r>
+            <a:r>
+              <a:rPr lang="en-US" altLang="ko-KR" sz="2400" b="1" dirty="0" smtClean="0">
+                <a:effectLst>
+                  <a:outerShdw blurRad="203200" sx="102000" sy="102000" algn="ctr" rotWithShape="0">
+                    <a:prstClr val="black">
+                      <a:alpha val="80000"/>
+                    </a:prstClr>
+                  </a:outerShdw>
+                </a:effectLst>
+              </a:rPr>
+              <a:t>),</a:t>
+            </a:r>
+          </a:p>
+          <a:p>
+            <a:pPr algn="ctr"/>
+            <a:r>
+              <a:rPr lang="ko-KR" altLang="en-US" sz="2400" b="1" dirty="0" smtClean="0">
+                <a:effectLst>
+                  <a:outerShdw blurRad="203200" sx="102000" sy="102000" algn="ctr" rotWithShape="0">
+                    <a:prstClr val="black">
+                      <a:alpha val="80000"/>
+                    </a:prstClr>
+                  </a:outerShdw>
+                </a:effectLst>
+              </a:rPr>
+              <a:t>대왕파리는 스프레이로</a:t>
+            </a:r>
+            <a:r>
+              <a:rPr lang="en-US" altLang="ko-KR" sz="2400" b="1" dirty="0" smtClean="0">
+                <a:effectLst>
+                  <a:outerShdw blurRad="203200" sx="102000" sy="102000" algn="ctr" rotWithShape="0">
+                    <a:prstClr val="black">
+                      <a:alpha val="80000"/>
+                    </a:prstClr>
+                  </a:outerShdw>
+                </a:effectLst>
+              </a:rPr>
+              <a:t>(D/</a:t>
+            </a:r>
+            <a:r>
+              <a:rPr lang="ko-KR" altLang="en-US" sz="2400" b="1" dirty="0" smtClean="0">
+                <a:effectLst>
+                  <a:outerShdw blurRad="203200" sx="102000" sy="102000" algn="ctr" rotWithShape="0">
+                    <a:prstClr val="black">
+                      <a:alpha val="80000"/>
+                    </a:prstClr>
+                  </a:outerShdw>
+                </a:effectLst>
+              </a:rPr>
+              <a:t>←</a:t>
+            </a:r>
+            <a:r>
+              <a:rPr lang="en-US" altLang="ko-KR" sz="2400" b="1" dirty="0" smtClean="0">
+                <a:effectLst>
+                  <a:outerShdw blurRad="203200" sx="102000" sy="102000" algn="ctr" rotWithShape="0">
+                    <a:prstClr val="black">
+                      <a:alpha val="80000"/>
+                    </a:prstClr>
+                  </a:outerShdw>
+                </a:effectLst>
+              </a:rPr>
+              <a:t>)!</a:t>
+            </a:r>
+          </a:p>
+          <a:p>
+            <a:pPr algn="ctr"/>
+            <a:endParaRPr lang="en-US" altLang="ko-KR" sz="2400" b="1" dirty="0" smtClean="0">
+              <a:effectLst>
+                <a:outerShdw blurRad="203200" sx="102000" sy="102000" algn="ctr" rotWithShape="0">
+                  <a:prstClr val="black">
+                    <a:alpha val="80000"/>
+                  </a:prstClr>
+                </a:outerShdw>
+              </a:effectLst>
+            </a:endParaRPr>
+          </a:p>
+          <a:p>
+            <a:pPr algn="ctr"/>
+            <a:r>
+              <a:rPr lang="ko-KR" altLang="en-US" sz="2400" b="1" dirty="0" smtClean="0">
+                <a:effectLst>
+                  <a:outerShdw blurRad="203200" sx="102000" sy="102000" algn="ctr" rotWithShape="0">
+                    <a:prstClr val="black">
+                      <a:alpha val="80000"/>
+                    </a:prstClr>
+                  </a:outerShdw>
+                </a:effectLst>
+              </a:rPr>
+              <a:t>파리가 벽에 앉았을 때 잡으면</a:t>
             </a:r>
             <a:endParaRPr lang="en-US" altLang="ko-KR" sz="2400" b="1" dirty="0" smtClean="0">
               <a:effectLst>
@@ -12334,7 +12472,156 @@
           </a:p>
           <a:p>
             <a:pPr algn="ctr"/>
-            <a:endParaRPr lang="en-US" altLang="ko-KR" sz="800" b="1" dirty="0" smtClean="0">
+            <a:r>
+              <a:rPr lang="ko-KR" altLang="en-US" sz="2400" b="1" dirty="0" smtClean="0">
+                <a:effectLst>
+                  <a:outerShdw blurRad="203200" sx="102000" sy="102000" algn="ctr" rotWithShape="0">
+                    <a:prstClr val="black">
+                      <a:alpha val="80000"/>
+                    </a:prstClr>
+                  </a:outerShdw>
+                </a:effectLst>
+              </a:rPr>
+              <a:t>점수를 더 많이 준다</a:t>
+            </a:r>
+            <a:r>
+              <a:rPr lang="en-US" altLang="ko-KR" sz="2400" b="1" dirty="0" smtClean="0">
+                <a:effectLst>
+                  <a:outerShdw blurRad="203200" sx="102000" sy="102000" algn="ctr" rotWithShape="0">
+                    <a:prstClr val="black">
+                      <a:alpha val="80000"/>
+                    </a:prstClr>
+                  </a:outerShdw>
+                </a:effectLst>
+              </a:rPr>
+              <a:t>!</a:t>
+            </a:r>
+            <a:endParaRPr lang="ko-KR" altLang="en-US" dirty="0"/>
+          </a:p>
+        </p:txBody>
+      </p:sp>
+      <p:sp>
+        <p:nvSpPr>
+          <p:cNvPr id="3" name="자유형 2"/>
+          <p:cNvSpPr/>
+          <p:nvPr/>
+        </p:nvSpPr>
+        <p:spPr>
+          <a:xfrm>
+            <a:off x="1187624" y="2690684"/>
+            <a:ext cx="6023919" cy="2452816"/>
+          </a:xfrm>
+          <a:custGeom>
+            <a:avLst/>
+            <a:gdLst>
+              <a:gd name="connsiteX0" fmla="*/ 12357 w 6023919"/>
+              <a:gd name="connsiteY0" fmla="*/ 0 h 2452816"/>
+              <a:gd name="connsiteX1" fmla="*/ 0 w 6023919"/>
+              <a:gd name="connsiteY1" fmla="*/ 2286000 h 2452816"/>
+              <a:gd name="connsiteX2" fmla="*/ 166816 w 6023919"/>
+              <a:gd name="connsiteY2" fmla="*/ 2452816 h 2452816"/>
+              <a:gd name="connsiteX3" fmla="*/ 6023919 w 6023919"/>
+              <a:gd name="connsiteY3" fmla="*/ 2452816 h 2452816"/>
+              <a:gd name="connsiteX4" fmla="*/ 6023919 w 6023919"/>
+              <a:gd name="connsiteY4" fmla="*/ 228600 h 2452816"/>
+              <a:gd name="connsiteX5" fmla="*/ 5801497 w 6023919"/>
+              <a:gd name="connsiteY5" fmla="*/ 0 h 2452816"/>
+              <a:gd name="connsiteX6" fmla="*/ 12357 w 6023919"/>
+              <a:gd name="connsiteY6" fmla="*/ 0 h 2452816"/>
+            </a:gdLst>
+            <a:ahLst/>
+            <a:cxnLst>
+              <a:cxn ang="0">
+                <a:pos x="connsiteX0" y="connsiteY0"/>
+              </a:cxn>
+              <a:cxn ang="0">
+                <a:pos x="connsiteX1" y="connsiteY1"/>
+              </a:cxn>
+              <a:cxn ang="0">
+                <a:pos x="connsiteX2" y="connsiteY2"/>
+              </a:cxn>
+              <a:cxn ang="0">
+                <a:pos x="connsiteX3" y="connsiteY3"/>
+              </a:cxn>
+              <a:cxn ang="0">
+                <a:pos x="connsiteX4" y="connsiteY4"/>
+              </a:cxn>
+              <a:cxn ang="0">
+                <a:pos x="connsiteX5" y="connsiteY5"/>
+              </a:cxn>
+              <a:cxn ang="0">
+                <a:pos x="connsiteX6" y="connsiteY6"/>
+              </a:cxn>
+            </a:cxnLst>
+            <a:rect l="l" t="t" r="r" b="b"/>
+            <a:pathLst>
+              <a:path w="6023919" h="2452816">
+                <a:moveTo>
+                  <a:pt x="12357" y="0"/>
+                </a:moveTo>
+                <a:lnTo>
+                  <a:pt x="0" y="2286000"/>
+                </a:lnTo>
+                <a:lnTo>
+                  <a:pt x="166816" y="2452816"/>
+                </a:lnTo>
+                <a:lnTo>
+                  <a:pt x="6023919" y="2452816"/>
+                </a:lnTo>
+                <a:lnTo>
+                  <a:pt x="6023919" y="228600"/>
+                </a:lnTo>
+                <a:lnTo>
+                  <a:pt x="5801497" y="0"/>
+                </a:lnTo>
+                <a:lnTo>
+                  <a:pt x="12357" y="0"/>
+                </a:lnTo>
+                <a:close/>
+              </a:path>
+            </a:pathLst>
+          </a:custGeom>
+          <a:solidFill>
+            <a:srgbClr val="FFFFFF">
+              <a:alpha val="50196"/>
+            </a:srgbClr>
+          </a:solidFill>
+          <a:ln w="57150"/>
+        </p:spPr>
+        <p:style>
+          <a:lnRef idx="2">
+            <a:schemeClr val="accent1">
+              <a:shade val="50000"/>
+            </a:schemeClr>
+          </a:lnRef>
+          <a:fillRef idx="1">
+            <a:schemeClr val="accent1"/>
+          </a:fillRef>
+          <a:effectRef idx="0">
+            <a:schemeClr val="accent1"/>
+          </a:effectRef>
+          <a:fontRef idx="minor">
+            <a:schemeClr val="lt1"/>
+          </a:fontRef>
+        </p:style>
+        <p:txBody>
+          <a:bodyPr rtlCol="0" anchor="ctr"/>
+          <a:lstStyle/>
+          <a:p>
+            <a:pPr algn="ctr"/>
+            <a:r>
+              <a:rPr lang="ko-KR" altLang="en-US" sz="2400" b="1" dirty="0" smtClean="0">
+                <a:effectLst>
+                  <a:outerShdw blurRad="203200" sx="102000" sy="102000" algn="ctr" rotWithShape="0">
+                    <a:prstClr val="black">
+                      <a:alpha val="80000"/>
+                    </a:prstClr>
+                  </a:outerShdw>
+                </a:effectLst>
+              </a:rPr>
+              <a:t>악령이 하얀 점을 지날 때</a:t>
+            </a:r>
+            <a:endParaRPr lang="en-US" altLang="ko-KR" sz="2400" b="1" dirty="0" smtClean="0">
               <a:effectLst>
                 <a:outerShdw blurRad="203200" sx="102000" sy="102000" algn="ctr" rotWithShape="0">
                   <a:prstClr val="black">
@@ -12346,14 +12633,160 @@
           </a:p>
           <a:p>
             <a:pPr algn="ctr"/>
-            <a:endParaRPr lang="ko-KR" altLang="en-US" dirty="0"/>
+            <a:r>
+              <a:rPr lang="ko-KR" altLang="en-US" sz="2400" b="1" dirty="0" smtClean="0">
+                <a:effectLst>
+                  <a:outerShdw blurRad="203200" sx="102000" sy="102000" algn="ctr" rotWithShape="0">
+                    <a:prstClr val="black">
+                      <a:alpha val="80000"/>
+                    </a:prstClr>
+                  </a:outerShdw>
+                </a:effectLst>
+              </a:rPr>
+              <a:t>검을 휘둘러</a:t>
+            </a:r>
+            <a:r>
+              <a:rPr lang="en-US" altLang="ko-KR" sz="2400" b="1" dirty="0" smtClean="0">
+                <a:effectLst>
+                  <a:outerShdw blurRad="203200" sx="102000" sy="102000" algn="ctr" rotWithShape="0">
+                    <a:prstClr val="black">
+                      <a:alpha val="80000"/>
+                    </a:prstClr>
+                  </a:outerShdw>
+                </a:effectLst>
+              </a:rPr>
+              <a:t>(S/</a:t>
+            </a:r>
+            <a:r>
+              <a:rPr lang="ko-KR" altLang="en-US" sz="2400" b="1" dirty="0" smtClean="0">
+                <a:effectLst>
+                  <a:outerShdw blurRad="203200" sx="102000" sy="102000" algn="ctr" rotWithShape="0">
+                    <a:prstClr val="black">
+                      <a:alpha val="80000"/>
+                    </a:prstClr>
+                  </a:outerShdw>
+                </a:effectLst>
+              </a:rPr>
+              <a:t>↓</a:t>
+            </a:r>
+            <a:r>
+              <a:rPr lang="en-US" altLang="ko-KR" sz="2400" b="1" dirty="0" smtClean="0">
+                <a:effectLst>
+                  <a:outerShdw blurRad="203200" sx="102000" sy="102000" algn="ctr" rotWithShape="0">
+                    <a:prstClr val="black">
+                      <a:alpha val="80000"/>
+                    </a:prstClr>
+                  </a:outerShdw>
+                </a:effectLst>
+              </a:rPr>
+              <a:t>) </a:t>
+            </a:r>
+            <a:r>
+              <a:rPr lang="ko-KR" altLang="en-US" sz="2400" b="1" dirty="0" smtClean="0">
+                <a:effectLst>
+                  <a:outerShdw blurRad="203200" sx="102000" sy="102000" algn="ctr" rotWithShape="0">
+                    <a:prstClr val="black">
+                      <a:alpha val="80000"/>
+                    </a:prstClr>
+                  </a:outerShdw>
+                </a:effectLst>
+              </a:rPr>
+              <a:t>무찌르자</a:t>
+            </a:r>
+            <a:r>
+              <a:rPr lang="en-US" altLang="ko-KR" sz="2400" b="1" dirty="0" smtClean="0">
+                <a:effectLst>
+                  <a:outerShdw blurRad="203200" sx="102000" sy="102000" algn="ctr" rotWithShape="0">
+                    <a:prstClr val="black">
+                      <a:alpha val="80000"/>
+                    </a:prstClr>
+                  </a:outerShdw>
+                </a:effectLst>
+              </a:rPr>
+              <a:t>!</a:t>
+            </a:r>
+          </a:p>
+          <a:p>
+            <a:pPr algn="ctr"/>
+            <a:endParaRPr lang="en-US" altLang="ko-KR" sz="2400" b="1" dirty="0" smtClean="0">
+              <a:effectLst>
+                <a:outerShdw blurRad="203200" sx="102000" sy="102000" algn="ctr" rotWithShape="0">
+                  <a:prstClr val="black">
+                    <a:alpha val="80000"/>
+                  </a:prstClr>
+                </a:outerShdw>
+              </a:effectLst>
+            </a:endParaRPr>
+          </a:p>
+          <a:p>
+            <a:pPr algn="ctr"/>
+            <a:r>
+              <a:rPr lang="ko-KR" altLang="en-US" sz="2400" b="1" dirty="0" smtClean="0">
+                <a:effectLst>
+                  <a:outerShdw blurRad="203200" sx="102000" sy="102000" algn="ctr" rotWithShape="0">
+                    <a:prstClr val="black">
+                      <a:alpha val="80000"/>
+                    </a:prstClr>
+                  </a:outerShdw>
+                </a:effectLst>
+              </a:rPr>
+              <a:t>시간이 모두 지나가면 성공</a:t>
+            </a:r>
+            <a:r>
+              <a:rPr lang="en-US" altLang="ko-KR" sz="2400" b="1" dirty="0" smtClean="0">
+                <a:effectLst>
+                  <a:outerShdw blurRad="203200" sx="102000" sy="102000" algn="ctr" rotWithShape="0">
+                    <a:prstClr val="black">
+                      <a:alpha val="80000"/>
+                    </a:prstClr>
+                  </a:outerShdw>
+                </a:effectLst>
+              </a:rPr>
+              <a:t>!</a:t>
+            </a:r>
+            <a:endParaRPr lang="en-US" altLang="ko-KR" sz="2400" b="1" dirty="0" smtClean="0">
+              <a:effectLst>
+                <a:outerShdw blurRad="203200" sx="102000" sy="102000" algn="ctr" rotWithShape="0">
+                  <a:prstClr val="black">
+                    <a:alpha val="80000"/>
+                  </a:prstClr>
+                </a:outerShdw>
+              </a:effectLst>
+            </a:endParaRPr>
+          </a:p>
+          <a:p>
+            <a:pPr algn="ctr"/>
+            <a:r>
+              <a:rPr lang="ko-KR" altLang="en-US" sz="2400" b="1" dirty="0" smtClean="0">
+                <a:effectLst>
+                  <a:outerShdw blurRad="203200" sx="102000" sy="102000" algn="ctr" rotWithShape="0">
+                    <a:prstClr val="black">
+                      <a:alpha val="80000"/>
+                    </a:prstClr>
+                  </a:outerShdw>
+                </a:effectLst>
+              </a:rPr>
+              <a:t>다섯 마리의 악령이 지나가면 실패</a:t>
+            </a:r>
+            <a:r>
+              <a:rPr lang="en-US" altLang="ko-KR" sz="2400" b="1" dirty="0" smtClean="0">
+                <a:effectLst>
+                  <a:outerShdw blurRad="203200" sx="102000" sy="102000" algn="ctr" rotWithShape="0">
+                    <a:prstClr val="black">
+                      <a:alpha val="80000"/>
+                    </a:prstClr>
+                  </a:outerShdw>
+                </a:effectLst>
+              </a:rPr>
+              <a:t>!</a:t>
+            </a:r>
           </a:p>
         </p:txBody>
       </p:sp>
     </p:spTree>
     <p:extLst>
       <p:ext uri="{BB962C8B-B14F-4D97-AF65-F5344CB8AC3E}">
-        <p14:creationId xmlns:p14="http://schemas.microsoft.com/office/powerpoint/2010/main" val="2376093737"/>
+        <p14:creationId xmlns:p14="http://schemas.microsoft.com/office/powerpoint/2010/main" xmlns="" val="2376093737"/>
       </p:ext>
     </p:extLst>
   </p:cSld>
